--- a/Docs/ViPER_Presentation.pptx
+++ b/Docs/ViPER_Presentation.pptx
@@ -5,7 +5,7 @@
     <p:sldMasterId id="2147483648" r:id="rId1"/>
   </p:sldMasterIdLst>
   <p:notesMasterIdLst>
-    <p:notesMasterId r:id="rId11"/>
+    <p:notesMasterId r:id="rId12"/>
   </p:notesMasterIdLst>
   <p:sldIdLst>
     <p:sldId id="256" r:id="rId2"/>
@@ -17,6 +17,7 @@
     <p:sldId id="264" r:id="rId8"/>
     <p:sldId id="265" r:id="rId9"/>
     <p:sldId id="270" r:id="rId10"/>
+    <p:sldId id="274" r:id="rId11"/>
   </p:sldIdLst>
   <p:sldSz cx="12192000" cy="6858000"/>
   <p:notesSz cx="6858000" cy="9144000"/>
@@ -220,7 +221,7 @@
           <a:p>
             <a:fld id="{4F07E3CF-580D-4B3F-94A1-22D943C591DC}" type="datetimeFigureOut">
               <a:rPr lang="en-AU" smtClean="0"/>
-              <a:t>30/06/2021</a:t>
+              <a:t>16/11/2023</a:t>
             </a:fld>
             <a:endParaRPr lang="en-AU"/>
           </a:p>
@@ -1429,7 +1430,7 @@
           <a:p>
             <a:fld id="{343F7901-3F9F-4F6A-AF88-D53E1EAB3CC1}" type="datetimeFigureOut">
               <a:rPr lang="en-AU" smtClean="0"/>
-              <a:t>30/06/2021</a:t>
+              <a:t>16/11/2023</a:t>
             </a:fld>
             <a:endParaRPr lang="en-AU"/>
           </a:p>
@@ -1629,7 +1630,7 @@
           <a:p>
             <a:fld id="{343F7901-3F9F-4F6A-AF88-D53E1EAB3CC1}" type="datetimeFigureOut">
               <a:rPr lang="en-AU" smtClean="0"/>
-              <a:t>30/06/2021</a:t>
+              <a:t>16/11/2023</a:t>
             </a:fld>
             <a:endParaRPr lang="en-AU"/>
           </a:p>
@@ -1839,7 +1840,7 @@
           <a:p>
             <a:fld id="{343F7901-3F9F-4F6A-AF88-D53E1EAB3CC1}" type="datetimeFigureOut">
               <a:rPr lang="en-AU" smtClean="0"/>
-              <a:t>30/06/2021</a:t>
+              <a:t>16/11/2023</a:t>
             </a:fld>
             <a:endParaRPr lang="en-AU"/>
           </a:p>
@@ -2039,7 +2040,7 @@
           <a:p>
             <a:fld id="{343F7901-3F9F-4F6A-AF88-D53E1EAB3CC1}" type="datetimeFigureOut">
               <a:rPr lang="en-AU" smtClean="0"/>
-              <a:t>30/06/2021</a:t>
+              <a:t>16/11/2023</a:t>
             </a:fld>
             <a:endParaRPr lang="en-AU"/>
           </a:p>
@@ -2315,7 +2316,7 @@
           <a:p>
             <a:fld id="{343F7901-3F9F-4F6A-AF88-D53E1EAB3CC1}" type="datetimeFigureOut">
               <a:rPr lang="en-AU" smtClean="0"/>
-              <a:t>30/06/2021</a:t>
+              <a:t>16/11/2023</a:t>
             </a:fld>
             <a:endParaRPr lang="en-AU"/>
           </a:p>
@@ -2583,7 +2584,7 @@
           <a:p>
             <a:fld id="{343F7901-3F9F-4F6A-AF88-D53E1EAB3CC1}" type="datetimeFigureOut">
               <a:rPr lang="en-AU" smtClean="0"/>
-              <a:t>30/06/2021</a:t>
+              <a:t>16/11/2023</a:t>
             </a:fld>
             <a:endParaRPr lang="en-AU"/>
           </a:p>
@@ -2998,7 +2999,7 @@
           <a:p>
             <a:fld id="{343F7901-3F9F-4F6A-AF88-D53E1EAB3CC1}" type="datetimeFigureOut">
               <a:rPr lang="en-AU" smtClean="0"/>
-              <a:t>30/06/2021</a:t>
+              <a:t>16/11/2023</a:t>
             </a:fld>
             <a:endParaRPr lang="en-AU"/>
           </a:p>
@@ -3140,7 +3141,7 @@
           <a:p>
             <a:fld id="{343F7901-3F9F-4F6A-AF88-D53E1EAB3CC1}" type="datetimeFigureOut">
               <a:rPr lang="en-AU" smtClean="0"/>
-              <a:t>30/06/2021</a:t>
+              <a:t>16/11/2023</a:t>
             </a:fld>
             <a:endParaRPr lang="en-AU"/>
           </a:p>
@@ -3253,7 +3254,7 @@
           <a:p>
             <a:fld id="{343F7901-3F9F-4F6A-AF88-D53E1EAB3CC1}" type="datetimeFigureOut">
               <a:rPr lang="en-AU" smtClean="0"/>
-              <a:t>30/06/2021</a:t>
+              <a:t>16/11/2023</a:t>
             </a:fld>
             <a:endParaRPr lang="en-AU"/>
           </a:p>
@@ -3566,7 +3567,7 @@
           <a:p>
             <a:fld id="{343F7901-3F9F-4F6A-AF88-D53E1EAB3CC1}" type="datetimeFigureOut">
               <a:rPr lang="en-AU" smtClean="0"/>
-              <a:t>30/06/2021</a:t>
+              <a:t>16/11/2023</a:t>
             </a:fld>
             <a:endParaRPr lang="en-AU"/>
           </a:p>
@@ -3855,7 +3856,7 @@
           <a:p>
             <a:fld id="{343F7901-3F9F-4F6A-AF88-D53E1EAB3CC1}" type="datetimeFigureOut">
               <a:rPr lang="en-AU" smtClean="0"/>
-              <a:t>30/06/2021</a:t>
+              <a:t>16/11/2023</a:t>
             </a:fld>
             <a:endParaRPr lang="en-AU"/>
           </a:p>
@@ -4107,7 +4108,7 @@
           <a:p>
             <a:fld id="{343F7901-3F9F-4F6A-AF88-D53E1EAB3CC1}" type="datetimeFigureOut">
               <a:rPr lang="en-AU" smtClean="0"/>
-              <a:t>30/06/2021</a:t>
+              <a:t>16/11/2023</a:t>
             </a:fld>
             <a:endParaRPr lang="en-AU"/>
           </a:p>
@@ -4605,6 +4606,167 @@
     <p:extLst>
       <p:ext uri="{BB962C8B-B14F-4D97-AF65-F5344CB8AC3E}">
         <p14:creationId xmlns:p14="http://schemas.microsoft.com/office/powerpoint/2010/main" val="2018303164"/>
+      </p:ext>
+    </p:extLst>
+  </p:cSld>
+  <p:clrMapOvr>
+    <a:masterClrMapping/>
+  </p:clrMapOvr>
+</p:sld>
+</file>
+
+<file path=ppt/slides/slide10.xml><?xml version="1.0" encoding="utf-8"?>
+<p:sld xmlns:a="http://schemas.openxmlformats.org/drawingml/2006/main" xmlns:r="http://schemas.openxmlformats.org/officeDocument/2006/relationships" xmlns:p="http://schemas.openxmlformats.org/presentationml/2006/main">
+  <p:cSld>
+    <p:spTree>
+      <p:nvGrpSpPr>
+        <p:cNvPr id="1" name=""/>
+        <p:cNvGrpSpPr/>
+        <p:nvPr/>
+      </p:nvGrpSpPr>
+      <p:grpSpPr>
+        <a:xfrm>
+          <a:off x="0" y="0"/>
+          <a:ext cx="0" cy="0"/>
+          <a:chOff x="0" y="0"/>
+          <a:chExt cx="0" cy="0"/>
+        </a:xfrm>
+      </p:grpSpPr>
+      <p:sp>
+        <p:nvSpPr>
+          <p:cNvPr id="2" name="Content Placeholder 2">
+            <a:extLst>
+              <a:ext uri="{FF2B5EF4-FFF2-40B4-BE49-F238E27FC236}">
+                <a16:creationId xmlns:a16="http://schemas.microsoft.com/office/drawing/2014/main" id="{ACD72C62-48D9-53D0-DB26-2EAC3A2CA4DC}"/>
+              </a:ext>
+            </a:extLst>
+          </p:cNvPr>
+          <p:cNvSpPr>
+            <a:spLocks noGrp="1"/>
+          </p:cNvSpPr>
+          <p:nvPr>
+            <p:ph idx="1"/>
+          </p:nvPr>
+        </p:nvSpPr>
+        <p:spPr>
+          <a:xfrm>
+            <a:off x="937797" y="945768"/>
+            <a:ext cx="10199595" cy="3231950"/>
+          </a:xfrm>
+        </p:spPr>
+        <p:txBody>
+          <a:bodyPr>
+            <a:normAutofit/>
+          </a:bodyPr>
+          <a:lstStyle/>
+          <a:p>
+            <a:pPr marL="0" indent="0">
+              <a:buNone/>
+            </a:pPr>
+            <a:r>
+              <a:rPr lang="en-AU" dirty="0"/>
+              <a:t>Presentations</a:t>
+            </a:r>
+          </a:p>
+          <a:p>
+            <a:pPr marL="0" indent="0">
+              <a:buNone/>
+            </a:pPr>
+            <a:endParaRPr lang="en-US" sz="1800" dirty="0">
+              <a:latin typeface="Calibri" panose="020F0502020204030204" pitchFamily="34" charset="0"/>
+              <a:cs typeface="Times New Roman" panose="02020603050405020304" pitchFamily="18" charset="0"/>
+            </a:endParaRPr>
+          </a:p>
+          <a:p>
+            <a:pPr marL="0" indent="0">
+              <a:buNone/>
+            </a:pPr>
+            <a:r>
+              <a:rPr lang="en-US" sz="1800" dirty="0">
+                <a:latin typeface="Calibri" panose="020F0502020204030204" pitchFamily="34" charset="0"/>
+                <a:cs typeface="Times New Roman" panose="02020603050405020304" pitchFamily="18" charset="0"/>
+              </a:rPr>
+              <a:t>GLA 2021</a:t>
+            </a:r>
+          </a:p>
+          <a:p>
+            <a:pPr marL="0" indent="0">
+              <a:buNone/>
+            </a:pPr>
+            <a:r>
+              <a:rPr lang="en-AU" sz="1800" dirty="0">
+                <a:effectLst/>
+                <a:latin typeface="Calibri" panose="020F0502020204030204" pitchFamily="34" charset="0"/>
+                <a:ea typeface="Calibri" panose="020F0502020204030204" pitchFamily="34" charset="0"/>
+                <a:cs typeface="Times New Roman" panose="02020603050405020304" pitchFamily="18" charset="0"/>
+                <a:hlinkClick r:id="rId2"/>
+              </a:rPr>
+              <a:t>https://labviewwiki.org/wiki/GLA_Summit_2021/Open_Source_ViPER</a:t>
+            </a:r>
+            <a:endParaRPr lang="en-AU" sz="1800" dirty="0">
+              <a:effectLst/>
+              <a:latin typeface="Calibri" panose="020F0502020204030204" pitchFamily="34" charset="0"/>
+              <a:ea typeface="Calibri" panose="020F0502020204030204" pitchFamily="34" charset="0"/>
+              <a:cs typeface="Times New Roman" panose="02020603050405020304" pitchFamily="18" charset="0"/>
+            </a:endParaRPr>
+          </a:p>
+          <a:p>
+            <a:pPr marL="0" indent="0">
+              <a:buNone/>
+            </a:pPr>
+            <a:endParaRPr lang="en-AU" sz="1800" dirty="0">
+              <a:effectLst/>
+              <a:latin typeface="Calibri" panose="020F0502020204030204" pitchFamily="34" charset="0"/>
+              <a:ea typeface="Calibri" panose="020F0502020204030204" pitchFamily="34" charset="0"/>
+              <a:cs typeface="Times New Roman" panose="02020603050405020304" pitchFamily="18" charset="0"/>
+            </a:endParaRPr>
+          </a:p>
+          <a:p>
+            <a:pPr marL="0" indent="0">
+              <a:buNone/>
+            </a:pPr>
+            <a:r>
+              <a:rPr lang="en-AU" sz="1800" dirty="0">
+                <a:latin typeface="Calibri" panose="020F0502020204030204" pitchFamily="34" charset="0"/>
+                <a:ea typeface="Calibri" panose="020F0502020204030204" pitchFamily="34" charset="0"/>
+                <a:cs typeface="Times New Roman" panose="02020603050405020304" pitchFamily="18" charset="0"/>
+              </a:rPr>
+              <a:t>GLA 2022</a:t>
+            </a:r>
+            <a:endParaRPr lang="en-AU" sz="1800" dirty="0">
+              <a:effectLst/>
+              <a:latin typeface="Calibri" panose="020F0502020204030204" pitchFamily="34" charset="0"/>
+              <a:ea typeface="Calibri" panose="020F0502020204030204" pitchFamily="34" charset="0"/>
+              <a:cs typeface="Times New Roman" panose="02020603050405020304" pitchFamily="18" charset="0"/>
+            </a:endParaRPr>
+          </a:p>
+          <a:p>
+            <a:pPr marL="0" indent="0">
+              <a:buNone/>
+            </a:pPr>
+            <a:r>
+              <a:rPr lang="en-AU" sz="1800" dirty="0">
+                <a:effectLst/>
+                <a:latin typeface="Calibri" panose="020F0502020204030204" pitchFamily="34" charset="0"/>
+                <a:ea typeface="Calibri" panose="020F0502020204030204" pitchFamily="34" charset="0"/>
+                <a:cs typeface="Times New Roman" panose="02020603050405020304" pitchFamily="18" charset="0"/>
+                <a:hlinkClick r:id="rId3"/>
+              </a:rPr>
+              <a:t>https://labviewwiki.org/wiki/GLA_Summit_2020/ViPER_-_A_LabVIEW_Dependency_Injection_Framework</a:t>
+            </a:r>
+            <a:endParaRPr lang="en-AU" sz="1800" dirty="0">
+              <a:effectLst/>
+              <a:latin typeface="Calibri" panose="020F0502020204030204" pitchFamily="34" charset="0"/>
+              <a:ea typeface="Calibri" panose="020F0502020204030204" pitchFamily="34" charset="0"/>
+              <a:cs typeface="Times New Roman" panose="02020603050405020304" pitchFamily="18" charset="0"/>
+            </a:endParaRPr>
+          </a:p>
+        </p:txBody>
+      </p:sp>
+    </p:spTree>
+    <p:extLst>
+      <p:ext uri="{BB962C8B-B14F-4D97-AF65-F5344CB8AC3E}">
+        <p14:creationId xmlns:p14="http://schemas.microsoft.com/office/powerpoint/2010/main" val="3796289839"/>
       </p:ext>
     </p:extLst>
   </p:cSld>
